--- a/@video/logo.pptx
+++ b/@video/logo.pptx
@@ -243,7 +243,7 @@
           <a:p>
             <a:fld id="{8E31E12D-DCA9-411A-8D45-790673E6EF15}" type="datetimeFigureOut">
               <a:rPr lang="pt-BR" smtClean="0"/>
-              <a:t>15/11/2020</a:t>
+              <a:t>16/11/2020</a:t>
             </a:fld>
             <a:endParaRPr lang="pt-BR"/>
           </a:p>
@@ -413,7 +413,7 @@
           <a:p>
             <a:fld id="{8E31E12D-DCA9-411A-8D45-790673E6EF15}" type="datetimeFigureOut">
               <a:rPr lang="pt-BR" smtClean="0"/>
-              <a:t>15/11/2020</a:t>
+              <a:t>16/11/2020</a:t>
             </a:fld>
             <a:endParaRPr lang="pt-BR"/>
           </a:p>
@@ -593,7 +593,7 @@
           <a:p>
             <a:fld id="{8E31E12D-DCA9-411A-8D45-790673E6EF15}" type="datetimeFigureOut">
               <a:rPr lang="pt-BR" smtClean="0"/>
-              <a:t>15/11/2020</a:t>
+              <a:t>16/11/2020</a:t>
             </a:fld>
             <a:endParaRPr lang="pt-BR"/>
           </a:p>
@@ -763,7 +763,7 @@
           <a:p>
             <a:fld id="{8E31E12D-DCA9-411A-8D45-790673E6EF15}" type="datetimeFigureOut">
               <a:rPr lang="pt-BR" smtClean="0"/>
-              <a:t>15/11/2020</a:t>
+              <a:t>16/11/2020</a:t>
             </a:fld>
             <a:endParaRPr lang="pt-BR"/>
           </a:p>
@@ -1009,7 +1009,7 @@
           <a:p>
             <a:fld id="{8E31E12D-DCA9-411A-8D45-790673E6EF15}" type="datetimeFigureOut">
               <a:rPr lang="pt-BR" smtClean="0"/>
-              <a:t>15/11/2020</a:t>
+              <a:t>16/11/2020</a:t>
             </a:fld>
             <a:endParaRPr lang="pt-BR"/>
           </a:p>
@@ -1241,7 +1241,7 @@
           <a:p>
             <a:fld id="{8E31E12D-DCA9-411A-8D45-790673E6EF15}" type="datetimeFigureOut">
               <a:rPr lang="pt-BR" smtClean="0"/>
-              <a:t>15/11/2020</a:t>
+              <a:t>16/11/2020</a:t>
             </a:fld>
             <a:endParaRPr lang="pt-BR"/>
           </a:p>
@@ -1608,7 +1608,7 @@
           <a:p>
             <a:fld id="{8E31E12D-DCA9-411A-8D45-790673E6EF15}" type="datetimeFigureOut">
               <a:rPr lang="pt-BR" smtClean="0"/>
-              <a:t>15/11/2020</a:t>
+              <a:t>16/11/2020</a:t>
             </a:fld>
             <a:endParaRPr lang="pt-BR"/>
           </a:p>
@@ -1726,7 +1726,7 @@
           <a:p>
             <a:fld id="{8E31E12D-DCA9-411A-8D45-790673E6EF15}" type="datetimeFigureOut">
               <a:rPr lang="pt-BR" smtClean="0"/>
-              <a:t>15/11/2020</a:t>
+              <a:t>16/11/2020</a:t>
             </a:fld>
             <a:endParaRPr lang="pt-BR"/>
           </a:p>
@@ -1821,7 +1821,7 @@
           <a:p>
             <a:fld id="{8E31E12D-DCA9-411A-8D45-790673E6EF15}" type="datetimeFigureOut">
               <a:rPr lang="pt-BR" smtClean="0"/>
-              <a:t>15/11/2020</a:t>
+              <a:t>16/11/2020</a:t>
             </a:fld>
             <a:endParaRPr lang="pt-BR"/>
           </a:p>
@@ -2098,7 +2098,7 @@
           <a:p>
             <a:fld id="{8E31E12D-DCA9-411A-8D45-790673E6EF15}" type="datetimeFigureOut">
               <a:rPr lang="pt-BR" smtClean="0"/>
-              <a:t>15/11/2020</a:t>
+              <a:t>16/11/2020</a:t>
             </a:fld>
             <a:endParaRPr lang="pt-BR"/>
           </a:p>
@@ -2351,7 +2351,7 @@
           <a:p>
             <a:fld id="{8E31E12D-DCA9-411A-8D45-790673E6EF15}" type="datetimeFigureOut">
               <a:rPr lang="pt-BR" smtClean="0"/>
-              <a:t>15/11/2020</a:t>
+              <a:t>16/11/2020</a:t>
             </a:fld>
             <a:endParaRPr lang="pt-BR"/>
           </a:p>
@@ -2564,7 +2564,7 @@
           <a:p>
             <a:fld id="{8E31E12D-DCA9-411A-8D45-790673E6EF15}" type="datetimeFigureOut">
               <a:rPr lang="pt-BR" smtClean="0"/>
-              <a:t>15/11/2020</a:t>
+              <a:t>16/11/2020</a:t>
             </a:fld>
             <a:endParaRPr lang="pt-BR"/>
           </a:p>
@@ -2958,7 +2958,7 @@
     <p:bg>
       <p:bgPr>
         <a:solidFill>
-          <a:srgbClr val="000000"/>
+          <a:srgbClr val="FFFFFF"/>
         </a:solidFill>
         <a:effectLst/>
       </p:bgPr>
@@ -2977,6 +2977,194 @@
           <a:chExt cx="0" cy="0"/>
         </a:xfrm>
       </p:grpSpPr>
+      <p:sp>
+        <p:nvSpPr>
+          <p:cNvPr id="10" name="Retângulo 9"/>
+          <p:cNvSpPr/>
+          <p:nvPr/>
+        </p:nvSpPr>
+        <p:spPr>
+          <a:xfrm>
+            <a:off x="855445" y="3157036"/>
+            <a:ext cx="3070370" cy="1115560"/>
+          </a:xfrm>
+          <a:prstGeom prst="rect">
+            <a:avLst/>
+          </a:prstGeom>
+          <a:solidFill>
+            <a:srgbClr val="000000"/>
+          </a:solidFill>
+          <a:ln>
+            <a:noFill/>
+          </a:ln>
+        </p:spPr>
+        <p:style>
+          <a:lnRef idx="2">
+            <a:schemeClr val="accent1">
+              <a:shade val="50000"/>
+            </a:schemeClr>
+          </a:lnRef>
+          <a:fillRef idx="1">
+            <a:schemeClr val="accent1"/>
+          </a:fillRef>
+          <a:effectRef idx="0">
+            <a:schemeClr val="accent1"/>
+          </a:effectRef>
+          <a:fontRef idx="minor">
+            <a:schemeClr val="lt1"/>
+          </a:fontRef>
+        </p:style>
+        <p:txBody>
+          <a:bodyPr rtlCol="0" anchor="ctr"/>
+          <a:lstStyle/>
+          <a:p>
+            <a:pPr algn="ctr"/>
+            <a:endParaRPr lang="pt-BR"/>
+          </a:p>
+        </p:txBody>
+      </p:sp>
+      <p:sp>
+        <p:nvSpPr>
+          <p:cNvPr id="9" name="Retângulo Arredondado 8"/>
+          <p:cNvSpPr/>
+          <p:nvPr/>
+        </p:nvSpPr>
+        <p:spPr>
+          <a:xfrm>
+            <a:off x="2950961" y="3316261"/>
+            <a:ext cx="795600" cy="797110"/>
+          </a:xfrm>
+          <a:prstGeom prst="roundRect">
+            <a:avLst>
+              <a:gd name="adj" fmla="val 23281"/>
+            </a:avLst>
+          </a:prstGeom>
+          <a:solidFill>
+            <a:srgbClr val="000000"/>
+          </a:solidFill>
+          <a:ln w="19050">
+            <a:solidFill>
+              <a:srgbClr val="FFFFFF"/>
+            </a:solidFill>
+          </a:ln>
+        </p:spPr>
+        <p:style>
+          <a:lnRef idx="2">
+            <a:schemeClr val="accent1">
+              <a:shade val="50000"/>
+            </a:schemeClr>
+          </a:lnRef>
+          <a:fillRef idx="1">
+            <a:schemeClr val="accent1"/>
+          </a:fillRef>
+          <a:effectRef idx="0">
+            <a:schemeClr val="accent1"/>
+          </a:effectRef>
+          <a:fontRef idx="minor">
+            <a:schemeClr val="lt1"/>
+          </a:fontRef>
+        </p:style>
+        <p:txBody>
+          <a:bodyPr rtlCol="0" anchor="ctr"/>
+          <a:lstStyle/>
+          <a:p>
+            <a:pPr algn="ctr"/>
+            <a:endParaRPr lang="pt-BR"/>
+          </a:p>
+        </p:txBody>
+      </p:sp>
+      <p:sp>
+        <p:nvSpPr>
+          <p:cNvPr id="8" name="Retângulo 7"/>
+          <p:cNvSpPr/>
+          <p:nvPr/>
+        </p:nvSpPr>
+        <p:spPr>
+          <a:xfrm>
+            <a:off x="4718301" y="2919475"/>
+            <a:ext cx="3070370" cy="1115560"/>
+          </a:xfrm>
+          <a:prstGeom prst="rect">
+            <a:avLst/>
+          </a:prstGeom>
+          <a:solidFill>
+            <a:srgbClr val="000000"/>
+          </a:solidFill>
+          <a:ln>
+            <a:noFill/>
+          </a:ln>
+        </p:spPr>
+        <p:style>
+          <a:lnRef idx="2">
+            <a:schemeClr val="accent1">
+              <a:shade val="50000"/>
+            </a:schemeClr>
+          </a:lnRef>
+          <a:fillRef idx="1">
+            <a:schemeClr val="accent1"/>
+          </a:fillRef>
+          <a:effectRef idx="0">
+            <a:schemeClr val="accent1"/>
+          </a:effectRef>
+          <a:fontRef idx="minor">
+            <a:schemeClr val="lt1"/>
+          </a:fontRef>
+        </p:style>
+        <p:txBody>
+          <a:bodyPr rtlCol="0" anchor="ctr"/>
+          <a:lstStyle/>
+          <a:p>
+            <a:pPr algn="ctr"/>
+            <a:endParaRPr lang="pt-BR"/>
+          </a:p>
+        </p:txBody>
+      </p:sp>
+      <p:sp>
+        <p:nvSpPr>
+          <p:cNvPr id="3" name="Retângulo 2"/>
+          <p:cNvSpPr/>
+          <p:nvPr/>
+        </p:nvSpPr>
+        <p:spPr>
+          <a:xfrm>
+            <a:off x="4068661" y="1325636"/>
+            <a:ext cx="3070370" cy="1115560"/>
+          </a:xfrm>
+          <a:prstGeom prst="rect">
+            <a:avLst/>
+          </a:prstGeom>
+          <a:solidFill>
+            <a:srgbClr val="000000"/>
+          </a:solidFill>
+          <a:ln>
+            <a:noFill/>
+          </a:ln>
+        </p:spPr>
+        <p:style>
+          <a:lnRef idx="2">
+            <a:schemeClr val="accent1">
+              <a:shade val="50000"/>
+            </a:schemeClr>
+          </a:lnRef>
+          <a:fillRef idx="1">
+            <a:schemeClr val="accent1"/>
+          </a:fillRef>
+          <a:effectRef idx="0">
+            <a:schemeClr val="accent1"/>
+          </a:effectRef>
+          <a:fontRef idx="minor">
+            <a:schemeClr val="lt1"/>
+          </a:fontRef>
+        </p:style>
+        <p:txBody>
+          <a:bodyPr rtlCol="0" anchor="ctr"/>
+          <a:lstStyle/>
+          <a:p>
+            <a:pPr algn="ctr"/>
+            <a:endParaRPr lang="pt-BR"/>
+          </a:p>
+        </p:txBody>
+      </p:sp>
       <p:pic>
         <p:nvPicPr>
           <p:cNvPr id="4" name="Imagem 3"/>
